--- a/455DS-Ch06_ClassificationModels.pptx
+++ b/455DS-Ch06_ClassificationModels.pptx
@@ -293,7 +293,7 @@
               <a:rPr lang="en-US" dirty="0">
                 <a:latin typeface="Tahoma" pitchFamily="34" charset="0"/>
               </a:rPr>
-              <a:t>455DE: Spark for Data Engineers</a:t>
+              <a:t>455DS: Spark for Data Scientists</a:t>
             </a:r>
           </a:p>
         </p:txBody>
@@ -815,7 +815,7 @@
                 </a:solidFill>
                 <a:latin typeface="Tahoma" pitchFamily="34" charset="0"/>
               </a:rPr>
-              <a:t>455DE: Spark for Data Engineers</a:t>
+              <a:t>455DS: Spark for Data Scientists</a:t>
             </a:r>
           </a:p>
         </p:txBody>
@@ -7422,7 +7422,7 @@
                 <a:ea typeface="Tahoma" panose="020B0604030504040204" pitchFamily="34" charset="0"/>
                 <a:cs typeface="Tahoma" panose="020B0604030504040204" pitchFamily="34" charset="0"/>
               </a:rPr>
-              <a:t>455DE: Spark for Data Engineers</a:t>
+              <a:t>455DS: Spark for Data Scientists</a:t>
             </a:r>
           </a:p>
         </p:txBody>
@@ -8086,7 +8086,7 @@
           <a:p>
             <a:r>
               <a:rPr lang="en-US" dirty="0"/>
-              <a:t>Spark for Data Engineers</a:t>
+              <a:t>Spark for Data Scientists</a:t>
             </a:r>
           </a:p>
         </p:txBody>
@@ -17646,18 +17646,18 @@
 </file>
 
 <file path=customXml/item1.xml><?xml version="1.0" encoding="utf-8"?>
-<p:properties xmlns:p="http://schemas.microsoft.com/office/2006/metadata/properties" xmlns:xsi="http://www.w3.org/2001/XMLSchema-instance" xmlns:pc="http://schemas.microsoft.com/office/infopath/2007/PartnerControls">
-  <documentManagement/>
-</p:properties>
-</file>
-
-<file path=customXml/item2.xml><?xml version="1.0" encoding="utf-8"?>
 <?mso-contentType ?>
 <FormTemplates xmlns="http://schemas.microsoft.com/sharepoint/v3/contenttype/forms">
   <Display>DocumentLibraryForm</Display>
   <Edit>DocumentLibraryForm</Edit>
   <New>DocumentLibraryForm</New>
 </FormTemplates>
+</file>
+
+<file path=customXml/item2.xml><?xml version="1.0" encoding="utf-8"?>
+<p:properties xmlns:p="http://schemas.microsoft.com/office/2006/metadata/properties" xmlns:xsi="http://www.w3.org/2001/XMLSchema-instance" xmlns:pc="http://schemas.microsoft.com/office/infopath/2007/PartnerControls">
+  <documentManagement/>
+</p:properties>
 </file>
 
 <file path=customXml/item3.xml><?xml version="1.0" encoding="utf-8"?>
@@ -17813,6 +17813,14 @@
 </file>
 
 <file path=customXml/itemProps1.xml><?xml version="1.0" encoding="utf-8"?>
+<ds:datastoreItem xmlns:ds="http://schemas.openxmlformats.org/officeDocument/2006/customXml" ds:itemID="{2DA015F3-603C-4688-A5F3-81D587DAB8C9}">
+  <ds:schemaRefs>
+    <ds:schemaRef ds:uri="http://schemas.microsoft.com/sharepoint/v3/contenttype/forms"/>
+  </ds:schemaRefs>
+</ds:datastoreItem>
+</file>
+
+<file path=customXml/itemProps2.xml><?xml version="1.0" encoding="utf-8"?>
 <ds:datastoreItem xmlns:ds="http://schemas.openxmlformats.org/officeDocument/2006/customXml" ds:itemID="{F47B9207-CE5C-49AD-B414-15CBFA246D65}">
   <ds:schemaRefs>
     <ds:schemaRef ds:uri="http://purl.org/dc/terms/"/>
@@ -17824,14 +17832,6 @@
     <ds:schemaRef ds:uri="http://schemas.openxmlformats.org/package/2006/metadata/core-properties"/>
     <ds:schemaRef ds:uri="http://www.w3.org/XML/1998/namespace"/>
     <ds:schemaRef ds:uri="http://purl.org/dc/dcmitype/"/>
-  </ds:schemaRefs>
-</ds:datastoreItem>
-</file>
-
-<file path=customXml/itemProps2.xml><?xml version="1.0" encoding="utf-8"?>
-<ds:datastoreItem xmlns:ds="http://schemas.openxmlformats.org/officeDocument/2006/customXml" ds:itemID="{2DA015F3-603C-4688-A5F3-81D587DAB8C9}">
-  <ds:schemaRefs>
-    <ds:schemaRef ds:uri="http://schemas.microsoft.com/sharepoint/v3/contenttype/forms"/>
   </ds:schemaRefs>
 </ds:datastoreItem>
 </file>
